--- a/projeto individual.pptx
+++ b/projeto individual.pptx
@@ -10,10 +10,9 @@
     <p:sldId id="264" r:id="rId4"/>
     <p:sldId id="258" r:id="rId5"/>
     <p:sldId id="259" r:id="rId6"/>
-    <p:sldId id="265" r:id="rId7"/>
-    <p:sldId id="260" r:id="rId8"/>
-    <p:sldId id="261" r:id="rId9"/>
-    <p:sldId id="262" r:id="rId10"/>
+    <p:sldId id="260" r:id="rId7"/>
+    <p:sldId id="261" r:id="rId8"/>
+    <p:sldId id="262" r:id="rId9"/>
   </p:sldIdLst>
   <p:sldSz cx="12192000" cy="6858000"/>
   <p:notesSz cx="6858000" cy="9144000"/>
@@ -9306,7 +9305,15 @@
           </a:bodyPr>
           <a:lstStyle/>
           <a:p>
-            <a:endParaRPr lang="en-US" sz="4400"/>
+            <a:pPr marL="571500" indent="-571500">
+              <a:buFont typeface="Arial" panose="020B0604020202020204" pitchFamily="34" charset="0"/>
+              <a:buChar char="•"/>
+            </a:pPr>
+            <a:r>
+              <a:rPr lang="en-US" sz="4400" dirty="0" err="1"/>
+              <a:t>Valores</a:t>
+            </a:r>
+            <a:endParaRPr lang="en-US" sz="4400" dirty="0"/>
           </a:p>
         </p:txBody>
       </p:sp>
@@ -9383,8 +9390,7 @@
               <a:rPr lang="pt-BR" sz="1800" dirty="0">
                 <a:cs typeface="Calibri"/>
               </a:rPr>
-              <a:t> buscar a cura para a irmã voltar a ser humana
-</a:t>
+              <a:t> buscar a cura para a irmã voltar a ser humana.</a:t>
             </a:r>
             <a:endParaRPr lang="en-US" sz="1800" dirty="0"/>
           </a:p>
@@ -10173,108 +10179,6 @@
 </file>
 
 <file path=ppt/slides/slide6.xml><?xml version="1.0" encoding="utf-8"?>
-<p:sld xmlns:a="http://schemas.openxmlformats.org/drawingml/2006/main" xmlns:r="http://schemas.openxmlformats.org/officeDocument/2006/relationships" xmlns:p="http://schemas.openxmlformats.org/presentationml/2006/main">
-  <p:cSld>
-    <p:spTree>
-      <p:nvGrpSpPr>
-        <p:cNvPr id="1" name=""/>
-        <p:cNvGrpSpPr/>
-        <p:nvPr/>
-      </p:nvGrpSpPr>
-      <p:grpSpPr>
-        <a:xfrm>
-          <a:off x="0" y="0"/>
-          <a:ext cx="0" cy="0"/>
-          <a:chOff x="0" y="0"/>
-          <a:chExt cx="0" cy="0"/>
-        </a:xfrm>
-      </p:grpSpPr>
-      <p:pic>
-        <p:nvPicPr>
-          <p:cNvPr id="4" name="Imagem 3">
-            <a:extLst>
-              <a:ext uri="{FF2B5EF4-FFF2-40B4-BE49-F238E27FC236}">
-                <a16:creationId xmlns:a16="http://schemas.microsoft.com/office/drawing/2014/main" id="{FD4AAD95-AF64-640C-D9B0-C55D0DCBFE3F}"/>
-              </a:ext>
-            </a:extLst>
-          </p:cNvPr>
-          <p:cNvPicPr>
-            <a:picLocks noChangeAspect="1"/>
-          </p:cNvPicPr>
-          <p:nvPr/>
-        </p:nvPicPr>
-        <p:blipFill>
-          <a:blip r:embed="rId2"/>
-          <a:stretch>
-            <a:fillRect/>
-          </a:stretch>
-        </p:blipFill>
-        <p:spPr>
-          <a:xfrm>
-            <a:off x="88814" y="684088"/>
-            <a:ext cx="6690136" cy="5189689"/>
-          </a:xfrm>
-          <a:prstGeom prst="rect">
-            <a:avLst/>
-          </a:prstGeom>
-        </p:spPr>
-      </p:pic>
-      <p:pic>
-        <p:nvPicPr>
-          <p:cNvPr id="6" name="Imagem 5">
-            <a:extLst>
-              <a:ext uri="{FF2B5EF4-FFF2-40B4-BE49-F238E27FC236}">
-                <a16:creationId xmlns:a16="http://schemas.microsoft.com/office/drawing/2014/main" id="{F672E624-2836-9266-C4AC-8843E5B14ABF}"/>
-              </a:ext>
-            </a:extLst>
-          </p:cNvPr>
-          <p:cNvPicPr>
-            <a:picLocks noChangeAspect="1"/>
-          </p:cNvPicPr>
-          <p:nvPr/>
-        </p:nvPicPr>
-        <p:blipFill>
-          <a:blip r:embed="rId3"/>
-          <a:stretch>
-            <a:fillRect/>
-          </a:stretch>
-        </p:blipFill>
-        <p:spPr>
-          <a:xfrm>
-            <a:off x="7172355" y="1953158"/>
-            <a:ext cx="4420217" cy="1867161"/>
-          </a:xfrm>
-          <a:prstGeom prst="rect">
-            <a:avLst/>
-          </a:prstGeom>
-        </p:spPr>
-      </p:pic>
-    </p:spTree>
-    <p:extLst>
-      <p:ext uri="{BB962C8B-B14F-4D97-AF65-F5344CB8AC3E}">
-        <p14:creationId xmlns:p14="http://schemas.microsoft.com/office/powerpoint/2010/main" val="1504697654"/>
-      </p:ext>
-    </p:extLst>
-  </p:cSld>
-  <p:clrMapOvr>
-    <a:masterClrMapping/>
-  </p:clrMapOvr>
-  <mc:AlternateContent xmlns:mc="http://schemas.openxmlformats.org/markup-compatibility/2006">
-    <mc:Choice xmlns:p159="http://schemas.microsoft.com/office/powerpoint/2015/09/main" Requires="p159">
-      <p:transition xmlns:p14="http://schemas.microsoft.com/office/powerpoint/2010/main" spd="slow" p14:dur="2000">
-        <p159:morph option="byObject"/>
-      </p:transition>
-    </mc:Choice>
-    <mc:Fallback>
-      <p:transition spd="slow">
-        <p:fade/>
-      </p:transition>
-    </mc:Fallback>
-  </mc:AlternateContent>
-</p:sld>
-</file>
-
-<file path=ppt/slides/slide7.xml><?xml version="1.0" encoding="utf-8"?>
 <p:sld xmlns:a="http://schemas.openxmlformats.org/drawingml/2006/main" xmlns:r="http://schemas.openxmlformats.org/officeDocument/2006/relationships" xmlns:p="http://schemas.openxmlformats.org/presentationml/2006/main">
   <p:cSld>
     <p:bg>
@@ -11424,7 +11328,7 @@
 </p:sld>
 </file>
 
-<file path=ppt/slides/slide8.xml><?xml version="1.0" encoding="utf-8"?>
+<file path=ppt/slides/slide7.xml><?xml version="1.0" encoding="utf-8"?>
 <p:sld xmlns:a="http://schemas.openxmlformats.org/drawingml/2006/main" xmlns:r="http://schemas.openxmlformats.org/officeDocument/2006/relationships" xmlns:p="http://schemas.openxmlformats.org/presentationml/2006/main">
   <p:cSld>
     <p:bg>
@@ -12517,7 +12421,7 @@
 </p:sld>
 </file>
 
-<file path=ppt/slides/slide9.xml><?xml version="1.0" encoding="utf-8"?>
+<file path=ppt/slides/slide8.xml><?xml version="1.0" encoding="utf-8"?>
 <p:sld xmlns:a="http://schemas.openxmlformats.org/drawingml/2006/main" xmlns:r="http://schemas.openxmlformats.org/officeDocument/2006/relationships" xmlns:p="http://schemas.openxmlformats.org/presentationml/2006/main">
   <p:cSld>
     <p:bg>
